--- a/NIPS16/SensorMultiStages.pptx
+++ b/NIPS16/SensorMultiStages.pptx
@@ -6,7 +6,6 @@
   </p:sldMasterIdLst>
   <p:sldIdLst>
     <p:sldId id="256" r:id="rId2"/>
-    <p:sldId id="257" r:id="rId3"/>
   </p:sldIdLst>
   <p:sldSz cx="9144000" cy="6858000" type="screen4x3"/>
   <p:notesSz cx="6858000" cy="9144000"/>
@@ -289,7 +288,7 @@
           <a:p>
             <a:fld id="{8547BDA6-771F-8742-BC3A-0F3B70D6118F}" type="datetimeFigureOut">
               <a:rPr lang="en-US" smtClean="0"/>
-              <a:t>4/5/16</a:t>
+              <a:t>5/19/16</a:t>
             </a:fld>
             <a:endParaRPr lang="en-US"/>
           </a:p>
@@ -459,7 +458,7 @@
           <a:p>
             <a:fld id="{8547BDA6-771F-8742-BC3A-0F3B70D6118F}" type="datetimeFigureOut">
               <a:rPr lang="en-US" smtClean="0"/>
-              <a:t>4/5/16</a:t>
+              <a:t>5/19/16</a:t>
             </a:fld>
             <a:endParaRPr lang="en-US"/>
           </a:p>
@@ -639,7 +638,7 @@
           <a:p>
             <a:fld id="{8547BDA6-771F-8742-BC3A-0F3B70D6118F}" type="datetimeFigureOut">
               <a:rPr lang="en-US" smtClean="0"/>
-              <a:t>4/5/16</a:t>
+              <a:t>5/19/16</a:t>
             </a:fld>
             <a:endParaRPr lang="en-US"/>
           </a:p>
@@ -809,7 +808,7 @@
           <a:p>
             <a:fld id="{8547BDA6-771F-8742-BC3A-0F3B70D6118F}" type="datetimeFigureOut">
               <a:rPr lang="en-US" smtClean="0"/>
-              <a:t>4/5/16</a:t>
+              <a:t>5/19/16</a:t>
             </a:fld>
             <a:endParaRPr lang="en-US"/>
           </a:p>
@@ -1055,7 +1054,7 @@
           <a:p>
             <a:fld id="{8547BDA6-771F-8742-BC3A-0F3B70D6118F}" type="datetimeFigureOut">
               <a:rPr lang="en-US" smtClean="0"/>
-              <a:t>4/5/16</a:t>
+              <a:t>5/19/16</a:t>
             </a:fld>
             <a:endParaRPr lang="en-US"/>
           </a:p>
@@ -1343,7 +1342,7 @@
           <a:p>
             <a:fld id="{8547BDA6-771F-8742-BC3A-0F3B70D6118F}" type="datetimeFigureOut">
               <a:rPr lang="en-US" smtClean="0"/>
-              <a:t>4/5/16</a:t>
+              <a:t>5/19/16</a:t>
             </a:fld>
             <a:endParaRPr lang="en-US"/>
           </a:p>
@@ -1765,7 +1764,7 @@
           <a:p>
             <a:fld id="{8547BDA6-771F-8742-BC3A-0F3B70D6118F}" type="datetimeFigureOut">
               <a:rPr lang="en-US" smtClean="0"/>
-              <a:t>4/5/16</a:t>
+              <a:t>5/19/16</a:t>
             </a:fld>
             <a:endParaRPr lang="en-US"/>
           </a:p>
@@ -1883,7 +1882,7 @@
           <a:p>
             <a:fld id="{8547BDA6-771F-8742-BC3A-0F3B70D6118F}" type="datetimeFigureOut">
               <a:rPr lang="en-US" smtClean="0"/>
-              <a:t>4/5/16</a:t>
+              <a:t>5/19/16</a:t>
             </a:fld>
             <a:endParaRPr lang="en-US"/>
           </a:p>
@@ -1978,7 +1977,7 @@
           <a:p>
             <a:fld id="{8547BDA6-771F-8742-BC3A-0F3B70D6118F}" type="datetimeFigureOut">
               <a:rPr lang="en-US" smtClean="0"/>
-              <a:t>4/5/16</a:t>
+              <a:t>5/19/16</a:t>
             </a:fld>
             <a:endParaRPr lang="en-US"/>
           </a:p>
@@ -2255,7 +2254,7 @@
           <a:p>
             <a:fld id="{8547BDA6-771F-8742-BC3A-0F3B70D6118F}" type="datetimeFigureOut">
               <a:rPr lang="en-US" smtClean="0"/>
-              <a:t>4/5/16</a:t>
+              <a:t>5/19/16</a:t>
             </a:fld>
             <a:endParaRPr lang="en-US"/>
           </a:p>
@@ -2508,7 +2507,7 @@
           <a:p>
             <a:fld id="{8547BDA6-771F-8742-BC3A-0F3B70D6118F}" type="datetimeFigureOut">
               <a:rPr lang="en-US" smtClean="0"/>
-              <a:t>4/5/16</a:t>
+              <a:t>5/19/16</a:t>
             </a:fld>
             <a:endParaRPr lang="en-US"/>
           </a:p>
@@ -2721,7 +2720,7 @@
           <a:p>
             <a:fld id="{8547BDA6-771F-8742-BC3A-0F3B70D6118F}" type="datetimeFigureOut">
               <a:rPr lang="en-US" smtClean="0"/>
-              <a:t>4/5/16</a:t>
+              <a:t>5/19/16</a:t>
             </a:fld>
             <a:endParaRPr lang="en-US"/>
           </a:p>
@@ -3104,8 +3103,8 @@
         </p:nvSpPr>
         <p:spPr>
           <a:xfrm>
-            <a:off x="1630987" y="1054156"/>
-            <a:ext cx="1611704" cy="276999"/>
+            <a:off x="1596968" y="1054156"/>
+            <a:ext cx="1339998" cy="276999"/>
           </a:xfrm>
           <a:prstGeom prst="rect">
             <a:avLst/>
@@ -3129,131 +3128,16 @@
                 <a:latin typeface="Arial"/>
                 <a:cs typeface="Arial"/>
               </a:rPr>
-              <a:t>Sensor 1 (</a:t>
-            </a:r>
-            <a:r>
-              <a:rPr lang="en-US" sz="1200" dirty="0" err="1" smtClean="0">
-                <a:latin typeface="Arial"/>
-                <a:cs typeface="Arial"/>
-              </a:rPr>
-              <a:t>i</a:t>
+              <a:t>Sensor </a:t>
             </a:r>
             <a:r>
               <a:rPr lang="en-US" sz="1200" dirty="0" smtClean="0">
                 <a:latin typeface="Arial"/>
                 <a:cs typeface="Arial"/>
               </a:rPr>
-              <a:t>=1)</a:t>
-            </a:r>
-          </a:p>
-        </p:txBody>
-      </p:sp>
-      <p:sp>
-        <p:nvSpPr>
-          <p:cNvPr id="6" name="TextBox 5"/>
-          <p:cNvSpPr txBox="1"/>
-          <p:nvPr/>
-        </p:nvSpPr>
-        <p:spPr>
-          <a:xfrm>
-            <a:off x="1633658" y="1744589"/>
-            <a:ext cx="1609033" cy="276999"/>
-          </a:xfrm>
-          <a:prstGeom prst="rect">
-            <a:avLst/>
-          </a:prstGeom>
-          <a:noFill/>
-          <a:ln>
-            <a:solidFill>
-              <a:schemeClr val="tx1"/>
-            </a:solidFill>
-          </a:ln>
-        </p:spPr>
-        <p:txBody>
-          <a:bodyPr wrap="square" rtlCol="0">
-            <a:spAutoFit/>
-          </a:bodyPr>
-          <a:lstStyle/>
-          <a:p>
-            <a:pPr algn="ctr"/>
-            <a:r>
-              <a:rPr lang="en-US" sz="1200" dirty="0" smtClean="0">
-                <a:latin typeface="Arial"/>
-                <a:cs typeface="Arial"/>
-              </a:rPr>
-              <a:t>Sensor 2 (</a:t>
-            </a:r>
-            <a:r>
-              <a:rPr lang="en-US" sz="1200" dirty="0" err="1" smtClean="0">
-                <a:latin typeface="Arial"/>
-                <a:cs typeface="Arial"/>
-              </a:rPr>
-              <a:t>i</a:t>
-            </a:r>
-            <a:r>
-              <a:rPr lang="en-US" sz="1200" dirty="0" smtClean="0">
-                <a:latin typeface="Arial"/>
-                <a:cs typeface="Arial"/>
-              </a:rPr>
-              <a:t>=2)</a:t>
-            </a:r>
-            <a:endParaRPr lang="en-US" sz="1200" dirty="0">
-              <a:latin typeface="Arial"/>
-              <a:cs typeface="Arial"/>
-            </a:endParaRPr>
-          </a:p>
-        </p:txBody>
-      </p:sp>
-      <p:sp>
-        <p:nvSpPr>
-          <p:cNvPr id="7" name="TextBox 6"/>
-          <p:cNvSpPr txBox="1"/>
-          <p:nvPr/>
-        </p:nvSpPr>
-        <p:spPr>
-          <a:xfrm>
-            <a:off x="1636329" y="3008659"/>
-            <a:ext cx="1606361" cy="276999"/>
-          </a:xfrm>
-          <a:prstGeom prst="rect">
-            <a:avLst/>
-          </a:prstGeom>
-          <a:noFill/>
-          <a:ln>
-            <a:solidFill>
-              <a:schemeClr val="tx1"/>
-            </a:solidFill>
-          </a:ln>
-        </p:spPr>
-        <p:txBody>
-          <a:bodyPr wrap="square" rtlCol="0">
-            <a:spAutoFit/>
-          </a:bodyPr>
-          <a:lstStyle/>
-          <a:p>
-            <a:pPr algn="ctr"/>
-            <a:r>
-              <a:rPr lang="en-US" sz="1200" dirty="0" smtClean="0">
-                <a:latin typeface="Arial"/>
-                <a:cs typeface="Arial"/>
-              </a:rPr>
-              <a:t>Sensor K (</a:t>
-            </a:r>
-            <a:r>
-              <a:rPr lang="en-US" sz="1200" dirty="0" err="1" smtClean="0">
-                <a:latin typeface="Arial"/>
-                <a:cs typeface="Arial"/>
-              </a:rPr>
-              <a:t>i</a:t>
-            </a:r>
-            <a:r>
-              <a:rPr lang="en-US" sz="1200" dirty="0" smtClean="0">
-                <a:latin typeface="Arial"/>
-                <a:cs typeface="Arial"/>
-              </a:rPr>
-              <a:t>=K)</a:t>
-            </a:r>
-            <a:endParaRPr lang="en-US" sz="1200" dirty="0">
+              <a:t>1</a:t>
+            </a:r>
+            <a:endParaRPr lang="en-US" sz="1200" dirty="0" smtClean="0">
               <a:latin typeface="Arial"/>
               <a:cs typeface="Arial"/>
             </a:endParaRPr>
@@ -3267,9 +3151,9 @@
           <p:nvPr/>
         </p:nvCxnSpPr>
         <p:spPr>
-          <a:xfrm>
-            <a:off x="2439970" y="2246572"/>
-            <a:ext cx="2670" cy="659820"/>
+          <a:xfrm flipH="1">
+            <a:off x="2266967" y="2436012"/>
+            <a:ext cx="14247" cy="459040"/>
           </a:xfrm>
           <a:prstGeom prst="line">
             <a:avLst/>
@@ -3279,6 +3163,8 @@
               <a:srgbClr val="000000"/>
             </a:solidFill>
             <a:prstDash val="dash"/>
+            <a:headEnd type="none"/>
+            <a:tailEnd type="triangle"/>
           </a:ln>
         </p:spPr>
         <p:style>
@@ -3306,8 +3192,8 @@
         </p:nvCxnSpPr>
         <p:spPr>
           <a:xfrm>
-            <a:off x="691718" y="1192655"/>
-            <a:ext cx="939269" cy="0"/>
+            <a:off x="1224680" y="1192655"/>
+            <a:ext cx="372288" cy="1"/>
           </a:xfrm>
           <a:prstGeom prst="line">
             <a:avLst/>
@@ -3335,234 +3221,6 @@
           </a:fontRef>
         </p:style>
       </p:cxnSp>
-      <p:graphicFrame>
-        <p:nvGraphicFramePr>
-          <p:cNvPr id="36" name="Object 35"/>
-          <p:cNvGraphicFramePr>
-            <a:graphicFrameLocks noChangeAspect="1"/>
-          </p:cNvGraphicFramePr>
-          <p:nvPr>
-            <p:extLst>
-              <p:ext uri="{D42A27DB-BD31-4B8C-83A1-F6EECF244321}">
-                <p14:modId xmlns:p14="http://schemas.microsoft.com/office/powerpoint/2010/main" val="3846508473"/>
-              </p:ext>
-            </p:extLst>
-          </p:nvPr>
-        </p:nvGraphicFramePr>
-        <p:xfrm>
-          <a:off x="3567675" y="1093693"/>
-          <a:ext cx="179665" cy="249996"/>
-        </p:xfrm>
-        <a:graphic>
-          <a:graphicData uri="http://schemas.openxmlformats.org/presentationml/2006/ole">
-            <mc:AlternateContent xmlns:mc="http://schemas.openxmlformats.org/markup-compatibility/2006">
-              <mc:Choice xmlns:v="urn:schemas-microsoft-com:vml" Requires="v">
-                <p:oleObj spid="_x0000_s1060" name="Equation" r:id="rId3" imgW="177800" imgH="254000" progId="Equation.3">
-                  <p:embed/>
-                </p:oleObj>
-              </mc:Choice>
-              <mc:Fallback>
-                <p:oleObj name="Equation" r:id="rId3" imgW="177800" imgH="254000" progId="Equation.3">
-                  <p:embed/>
-                  <p:pic>
-                    <p:nvPicPr>
-                      <p:cNvPr id="0" name=""/>
-                      <p:cNvPicPr/>
-                      <p:nvPr/>
-                    </p:nvPicPr>
-                    <p:blipFill>
-                      <a:blip r:embed="rId4"/>
-                      <a:stretch>
-                        <a:fillRect/>
-                      </a:stretch>
-                    </p:blipFill>
-                    <p:spPr>
-                      <a:xfrm>
-                        <a:off x="3567675" y="1093693"/>
-                        <a:ext cx="179665" cy="249996"/>
-                      </a:xfrm>
-                      <a:prstGeom prst="rect">
-                        <a:avLst/>
-                      </a:prstGeom>
-                    </p:spPr>
-                  </p:pic>
-                </p:oleObj>
-              </mc:Fallback>
-            </mc:AlternateContent>
-          </a:graphicData>
-        </a:graphic>
-      </p:graphicFrame>
-      <p:graphicFrame>
-        <p:nvGraphicFramePr>
-          <p:cNvPr id="39" name="Object 38"/>
-          <p:cNvGraphicFramePr>
-            <a:graphicFrameLocks noChangeAspect="1"/>
-          </p:cNvGraphicFramePr>
-          <p:nvPr>
-            <p:extLst>
-              <p:ext uri="{D42A27DB-BD31-4B8C-83A1-F6EECF244321}">
-                <p14:modId xmlns:p14="http://schemas.microsoft.com/office/powerpoint/2010/main" val="39311120"/>
-              </p:ext>
-            </p:extLst>
-          </p:nvPr>
-        </p:nvGraphicFramePr>
-        <p:xfrm>
-          <a:off x="3559246" y="1775783"/>
-          <a:ext cx="203741" cy="250263"/>
-        </p:xfrm>
-        <a:graphic>
-          <a:graphicData uri="http://schemas.openxmlformats.org/presentationml/2006/ole">
-            <mc:AlternateContent xmlns:mc="http://schemas.openxmlformats.org/markup-compatibility/2006">
-              <mc:Choice xmlns:v="urn:schemas-microsoft-com:vml" Requires="v">
-                <p:oleObj spid="_x0000_s1061" name="Equation" r:id="rId5" imgW="203200" imgH="254000" progId="Equation.3">
-                  <p:embed/>
-                </p:oleObj>
-              </mc:Choice>
-              <mc:Fallback>
-                <p:oleObj name="Equation" r:id="rId5" imgW="203200" imgH="254000" progId="Equation.3">
-                  <p:embed/>
-                  <p:pic>
-                    <p:nvPicPr>
-                      <p:cNvPr id="0" name=""/>
-                      <p:cNvPicPr/>
-                      <p:nvPr/>
-                    </p:nvPicPr>
-                    <p:blipFill>
-                      <a:blip r:embed="rId6"/>
-                      <a:stretch>
-                        <a:fillRect/>
-                      </a:stretch>
-                    </p:blipFill>
-                    <p:spPr>
-                      <a:xfrm>
-                        <a:off x="3559246" y="1775783"/>
-                        <a:ext cx="203741" cy="250263"/>
-                      </a:xfrm>
-                      <a:prstGeom prst="rect">
-                        <a:avLst/>
-                      </a:prstGeom>
-                    </p:spPr>
-                  </p:pic>
-                </p:oleObj>
-              </mc:Fallback>
-            </mc:AlternateContent>
-          </a:graphicData>
-        </a:graphic>
-      </p:graphicFrame>
-      <p:graphicFrame>
-        <p:nvGraphicFramePr>
-          <p:cNvPr id="40" name="Object 39"/>
-          <p:cNvGraphicFramePr>
-            <a:graphicFrameLocks noChangeAspect="1"/>
-          </p:cNvGraphicFramePr>
-          <p:nvPr>
-            <p:extLst>
-              <p:ext uri="{D42A27DB-BD31-4B8C-83A1-F6EECF244321}">
-                <p14:modId xmlns:p14="http://schemas.microsoft.com/office/powerpoint/2010/main" val="4052331263"/>
-              </p:ext>
-            </p:extLst>
-          </p:nvPr>
-        </p:nvGraphicFramePr>
-        <p:xfrm>
-          <a:off x="3582434" y="3045329"/>
-          <a:ext cx="216344" cy="250265"/>
-        </p:xfrm>
-        <a:graphic>
-          <a:graphicData uri="http://schemas.openxmlformats.org/presentationml/2006/ole">
-            <mc:AlternateContent xmlns:mc="http://schemas.openxmlformats.org/markup-compatibility/2006">
-              <mc:Choice xmlns:v="urn:schemas-microsoft-com:vml" Requires="v">
-                <p:oleObj spid="_x0000_s1062" name="Equation" r:id="rId7" imgW="215900" imgH="254000" progId="Equation.3">
-                  <p:embed/>
-                </p:oleObj>
-              </mc:Choice>
-              <mc:Fallback>
-                <p:oleObj name="Equation" r:id="rId7" imgW="215900" imgH="254000" progId="Equation.3">
-                  <p:embed/>
-                  <p:pic>
-                    <p:nvPicPr>
-                      <p:cNvPr id="0" name=""/>
-                      <p:cNvPicPr/>
-                      <p:nvPr/>
-                    </p:nvPicPr>
-                    <p:blipFill>
-                      <a:blip r:embed="rId8"/>
-                      <a:stretch>
-                        <a:fillRect/>
-                      </a:stretch>
-                    </p:blipFill>
-                    <p:spPr>
-                      <a:xfrm>
-                        <a:off x="3582434" y="3045329"/>
-                        <a:ext cx="216344" cy="250265"/>
-                      </a:xfrm>
-                      <a:prstGeom prst="rect">
-                        <a:avLst/>
-                      </a:prstGeom>
-                    </p:spPr>
-                  </p:pic>
-                </p:oleObj>
-              </mc:Fallback>
-            </mc:AlternateContent>
-          </a:graphicData>
-        </a:graphic>
-      </p:graphicFrame>
-      <p:graphicFrame>
-        <p:nvGraphicFramePr>
-          <p:cNvPr id="41" name="Object 40"/>
-          <p:cNvGraphicFramePr>
-            <a:graphicFrameLocks noChangeAspect="1"/>
-          </p:cNvGraphicFramePr>
-          <p:nvPr>
-            <p:extLst>
-              <p:ext uri="{D42A27DB-BD31-4B8C-83A1-F6EECF244321}">
-                <p14:modId xmlns:p14="http://schemas.microsoft.com/office/powerpoint/2010/main" val="3721372638"/>
-              </p:ext>
-            </p:extLst>
-          </p:nvPr>
-        </p:nvGraphicFramePr>
-        <p:xfrm>
-          <a:off x="941537" y="986597"/>
-          <a:ext cx="155431" cy="214191"/>
-        </p:xfrm>
-        <a:graphic>
-          <a:graphicData uri="http://schemas.openxmlformats.org/presentationml/2006/ole">
-            <mc:AlternateContent xmlns:mc="http://schemas.openxmlformats.org/markup-compatibility/2006">
-              <mc:Choice xmlns:v="urn:schemas-microsoft-com:vml" Requires="v">
-                <p:oleObj spid="_x0000_s1063" name="Equation" r:id="rId9" imgW="152400" imgH="215900" progId="Equation.3">
-                  <p:embed/>
-                </p:oleObj>
-              </mc:Choice>
-              <mc:Fallback>
-                <p:oleObj name="Equation" r:id="rId9" imgW="152400" imgH="215900" progId="Equation.3">
-                  <p:embed/>
-                  <p:pic>
-                    <p:nvPicPr>
-                      <p:cNvPr id="0" name=""/>
-                      <p:cNvPicPr/>
-                      <p:nvPr/>
-                    </p:nvPicPr>
-                    <p:blipFill>
-                      <a:blip r:embed="rId10"/>
-                      <a:stretch>
-                        <a:fillRect/>
-                      </a:stretch>
-                    </p:blipFill>
-                    <p:spPr>
-                      <a:xfrm>
-                        <a:off x="941537" y="986597"/>
-                        <a:ext cx="155431" cy="214191"/>
-                      </a:xfrm>
-                      <a:prstGeom prst="rect">
-                        <a:avLst/>
-                      </a:prstGeom>
-                    </p:spPr>
-                  </p:pic>
-                </p:oleObj>
-              </mc:Fallback>
-            </mc:AlternateContent>
-          </a:graphicData>
-        </a:graphic>
-      </p:graphicFrame>
       <p:cxnSp>
         <p:nvCxnSpPr>
           <p:cNvPr id="44" name="Straight Arrow Connector 43"/>
@@ -3572,123 +3230,9 @@
           <p:nvPr/>
         </p:nvCxnSpPr>
         <p:spPr>
-          <a:xfrm>
-            <a:off x="3242691" y="1192655"/>
-            <a:ext cx="316555" cy="0"/>
-          </a:xfrm>
-          <a:prstGeom prst="straightConnector1">
-            <a:avLst/>
-          </a:prstGeom>
-          <a:ln>
-            <a:solidFill>
-              <a:srgbClr val="000000"/>
-            </a:solidFill>
-            <a:headEnd type="none"/>
-            <a:tailEnd type="triangle"/>
-          </a:ln>
-        </p:spPr>
-        <p:style>
-          <a:lnRef idx="2">
-            <a:schemeClr val="accent1"/>
-          </a:lnRef>
-          <a:fillRef idx="0">
-            <a:schemeClr val="accent1"/>
-          </a:fillRef>
-          <a:effectRef idx="1">
-            <a:schemeClr val="accent1"/>
-          </a:effectRef>
-          <a:fontRef idx="minor">
-            <a:schemeClr val="tx1"/>
-          </a:fontRef>
-        </p:style>
-      </p:cxnSp>
-      <p:cxnSp>
-        <p:nvCxnSpPr>
-          <p:cNvPr id="45" name="Straight Arrow Connector 44"/>
-          <p:cNvCxnSpPr/>
-          <p:nvPr/>
-        </p:nvCxnSpPr>
-        <p:spPr>
           <a:xfrm flipV="1">
-            <a:off x="3244707" y="1896992"/>
-            <a:ext cx="324985" cy="1"/>
-          </a:xfrm>
-          <a:prstGeom prst="straightConnector1">
-            <a:avLst/>
-          </a:prstGeom>
-          <a:ln>
-            <a:solidFill>
-              <a:srgbClr val="000000"/>
-            </a:solidFill>
-            <a:headEnd type="none"/>
-            <a:tailEnd type="triangle"/>
-          </a:ln>
-        </p:spPr>
-        <p:style>
-          <a:lnRef idx="2">
-            <a:schemeClr val="accent1"/>
-          </a:lnRef>
-          <a:fillRef idx="0">
-            <a:schemeClr val="accent1"/>
-          </a:fillRef>
-          <a:effectRef idx="1">
-            <a:schemeClr val="accent1"/>
-          </a:effectRef>
-          <a:fontRef idx="minor">
-            <a:schemeClr val="tx1"/>
-          </a:fontRef>
-        </p:style>
-      </p:cxnSp>
-      <p:cxnSp>
-        <p:nvCxnSpPr>
-          <p:cNvPr id="46" name="Straight Arrow Connector 45"/>
-          <p:cNvCxnSpPr/>
-          <p:nvPr/>
-        </p:nvCxnSpPr>
-        <p:spPr>
-          <a:xfrm flipV="1">
-            <a:off x="3244707" y="3160002"/>
-            <a:ext cx="324985" cy="1"/>
-          </a:xfrm>
-          <a:prstGeom prst="straightConnector1">
-            <a:avLst/>
-          </a:prstGeom>
-          <a:ln>
-            <a:solidFill>
-              <a:srgbClr val="000000"/>
-            </a:solidFill>
-            <a:headEnd type="none"/>
-            <a:tailEnd type="triangle"/>
-          </a:ln>
-        </p:spPr>
-        <p:style>
-          <a:lnRef idx="2">
-            <a:schemeClr val="accent1"/>
-          </a:lnRef>
-          <a:fillRef idx="0">
-            <a:schemeClr val="accent1"/>
-          </a:fillRef>
-          <a:effectRef idx="1">
-            <a:schemeClr val="accent1"/>
-          </a:effectRef>
-          <a:fontRef idx="minor">
-            <a:schemeClr val="tx1"/>
-          </a:fontRef>
-        </p:style>
-      </p:cxnSp>
-      <p:cxnSp>
-        <p:nvCxnSpPr>
-          <p:cNvPr id="51" name="Straight Arrow Connector 50"/>
-          <p:cNvCxnSpPr>
-            <a:stCxn id="5" idx="2"/>
-            <a:endCxn id="6" idx="0"/>
-          </p:cNvCxnSpPr>
-          <p:nvPr/>
-        </p:nvCxnSpPr>
-        <p:spPr>
-          <a:xfrm>
-            <a:off x="2436839" y="1331156"/>
-            <a:ext cx="1336" cy="413433"/>
+            <a:off x="2936966" y="1192655"/>
+            <a:ext cx="273721" cy="1"/>
           </a:xfrm>
           <a:prstGeom prst="straightConnector1">
             <a:avLst/>
@@ -4304,40 +3848,788 @@
           </a:fontRef>
         </p:style>
       </p:cxnSp>
+      <p:sp>
+        <p:nvSpPr>
+          <p:cNvPr id="43" name="TextBox 42"/>
+          <p:cNvSpPr txBox="1"/>
+          <p:nvPr/>
+        </p:nvSpPr>
+        <p:spPr>
+          <a:xfrm>
+            <a:off x="1596968" y="1605875"/>
+            <a:ext cx="1339998" cy="276999"/>
+          </a:xfrm>
+          <a:prstGeom prst="rect">
+            <a:avLst/>
+          </a:prstGeom>
+          <a:noFill/>
+          <a:ln>
+            <a:solidFill>
+              <a:schemeClr val="tx1"/>
+            </a:solidFill>
+          </a:ln>
+        </p:spPr>
+        <p:txBody>
+          <a:bodyPr wrap="square" rtlCol="0">
+            <a:spAutoFit/>
+          </a:bodyPr>
+          <a:lstStyle/>
+          <a:p>
+            <a:pPr algn="ctr"/>
+            <a:r>
+              <a:rPr lang="en-US" sz="1200" dirty="0" smtClean="0">
+                <a:latin typeface="Arial"/>
+                <a:cs typeface="Arial"/>
+              </a:rPr>
+              <a:t>Sensor </a:t>
+            </a:r>
+            <a:r>
+              <a:rPr lang="en-US" sz="1200" dirty="0">
+                <a:latin typeface="Arial"/>
+                <a:cs typeface="Arial"/>
+              </a:rPr>
+              <a:t>2</a:t>
+            </a:r>
+            <a:endParaRPr lang="en-US" sz="1200" dirty="0" smtClean="0">
+              <a:latin typeface="Arial"/>
+              <a:cs typeface="Arial"/>
+            </a:endParaRPr>
+          </a:p>
+        </p:txBody>
+      </p:sp>
+      <p:sp>
+        <p:nvSpPr>
+          <p:cNvPr id="47" name="TextBox 46"/>
+          <p:cNvSpPr txBox="1"/>
+          <p:nvPr/>
+        </p:nvSpPr>
+        <p:spPr>
+          <a:xfrm>
+            <a:off x="1601948" y="2117243"/>
+            <a:ext cx="1339998" cy="276999"/>
+          </a:xfrm>
+          <a:prstGeom prst="rect">
+            <a:avLst/>
+          </a:prstGeom>
+          <a:noFill/>
+          <a:ln>
+            <a:solidFill>
+              <a:schemeClr val="tx1"/>
+            </a:solidFill>
+          </a:ln>
+        </p:spPr>
+        <p:txBody>
+          <a:bodyPr wrap="square" rtlCol="0">
+            <a:spAutoFit/>
+          </a:bodyPr>
+          <a:lstStyle/>
+          <a:p>
+            <a:pPr algn="ctr"/>
+            <a:r>
+              <a:rPr lang="en-US" sz="1200" dirty="0" smtClean="0">
+                <a:latin typeface="Arial"/>
+                <a:cs typeface="Arial"/>
+              </a:rPr>
+              <a:t>Sensor </a:t>
+            </a:r>
+            <a:r>
+              <a:rPr lang="en-US" sz="1200" dirty="0">
+                <a:latin typeface="Arial"/>
+                <a:cs typeface="Arial"/>
+              </a:rPr>
+              <a:t>3</a:t>
+            </a:r>
+            <a:endParaRPr lang="en-US" sz="1200" dirty="0" smtClean="0">
+              <a:latin typeface="Arial"/>
+              <a:cs typeface="Arial"/>
+            </a:endParaRPr>
+          </a:p>
+        </p:txBody>
+      </p:sp>
+      <p:sp>
+        <p:nvSpPr>
+          <p:cNvPr id="48" name="TextBox 47"/>
+          <p:cNvSpPr txBox="1"/>
+          <p:nvPr/>
+        </p:nvSpPr>
+        <p:spPr>
+          <a:xfrm>
+            <a:off x="1608308" y="2895052"/>
+            <a:ext cx="1339998" cy="276999"/>
+          </a:xfrm>
+          <a:prstGeom prst="rect">
+            <a:avLst/>
+          </a:prstGeom>
+          <a:noFill/>
+          <a:ln>
+            <a:solidFill>
+              <a:schemeClr val="tx1"/>
+            </a:solidFill>
+          </a:ln>
+        </p:spPr>
+        <p:txBody>
+          <a:bodyPr wrap="square" rtlCol="0">
+            <a:spAutoFit/>
+          </a:bodyPr>
+          <a:lstStyle/>
+          <a:p>
+            <a:pPr algn="ctr"/>
+            <a:r>
+              <a:rPr lang="en-US" sz="1200" dirty="0" smtClean="0">
+                <a:latin typeface="Arial"/>
+                <a:cs typeface="Arial"/>
+              </a:rPr>
+              <a:t>Sensor </a:t>
+            </a:r>
+            <a:r>
+              <a:rPr lang="en-US" sz="1200" dirty="0">
+                <a:latin typeface="Arial"/>
+                <a:cs typeface="Arial"/>
+              </a:rPr>
+              <a:t>K</a:t>
+            </a:r>
+            <a:endParaRPr lang="en-US" sz="1200" dirty="0" smtClean="0">
+              <a:latin typeface="Arial"/>
+              <a:cs typeface="Arial"/>
+            </a:endParaRPr>
+          </a:p>
+        </p:txBody>
+      </p:sp>
+      <p:cxnSp>
+        <p:nvCxnSpPr>
+          <p:cNvPr id="50" name="Straight Arrow Connector 49"/>
+          <p:cNvCxnSpPr/>
+          <p:nvPr/>
+        </p:nvCxnSpPr>
+        <p:spPr>
+          <a:xfrm flipV="1">
+            <a:off x="2932177" y="1741963"/>
+            <a:ext cx="273721" cy="1"/>
+          </a:xfrm>
+          <a:prstGeom prst="straightConnector1">
+            <a:avLst/>
+          </a:prstGeom>
+          <a:ln>
+            <a:solidFill>
+              <a:srgbClr val="000000"/>
+            </a:solidFill>
+            <a:headEnd type="none"/>
+            <a:tailEnd type="triangle"/>
+          </a:ln>
+        </p:spPr>
+        <p:style>
+          <a:lnRef idx="2">
+            <a:schemeClr val="accent1"/>
+          </a:lnRef>
+          <a:fillRef idx="0">
+            <a:schemeClr val="accent1"/>
+          </a:fillRef>
+          <a:effectRef idx="1">
+            <a:schemeClr val="accent1"/>
+          </a:effectRef>
+          <a:fontRef idx="minor">
+            <a:schemeClr val="tx1"/>
+          </a:fontRef>
+        </p:style>
+      </p:cxnSp>
+      <p:cxnSp>
+        <p:nvCxnSpPr>
+          <p:cNvPr id="52" name="Straight Arrow Connector 51"/>
+          <p:cNvCxnSpPr/>
+          <p:nvPr/>
+        </p:nvCxnSpPr>
+        <p:spPr>
+          <a:xfrm flipV="1">
+            <a:off x="2943517" y="2230567"/>
+            <a:ext cx="273721" cy="1"/>
+          </a:xfrm>
+          <a:prstGeom prst="straightConnector1">
+            <a:avLst/>
+          </a:prstGeom>
+          <a:ln>
+            <a:solidFill>
+              <a:srgbClr val="000000"/>
+            </a:solidFill>
+            <a:headEnd type="none"/>
+            <a:tailEnd type="triangle"/>
+          </a:ln>
+        </p:spPr>
+        <p:style>
+          <a:lnRef idx="2">
+            <a:schemeClr val="accent1"/>
+          </a:lnRef>
+          <a:fillRef idx="0">
+            <a:schemeClr val="accent1"/>
+          </a:fillRef>
+          <a:effectRef idx="1">
+            <a:schemeClr val="accent1"/>
+          </a:effectRef>
+          <a:fontRef idx="minor">
+            <a:schemeClr val="tx1"/>
+          </a:fontRef>
+        </p:style>
+      </p:cxnSp>
+      <p:cxnSp>
+        <p:nvCxnSpPr>
+          <p:cNvPr id="53" name="Straight Arrow Connector 52"/>
+          <p:cNvCxnSpPr/>
+          <p:nvPr/>
+        </p:nvCxnSpPr>
+        <p:spPr>
+          <a:xfrm flipV="1">
+            <a:off x="2940299" y="3046089"/>
+            <a:ext cx="273721" cy="1"/>
+          </a:xfrm>
+          <a:prstGeom prst="straightConnector1">
+            <a:avLst/>
+          </a:prstGeom>
+          <a:ln>
+            <a:solidFill>
+              <a:srgbClr val="000000"/>
+            </a:solidFill>
+            <a:headEnd type="none"/>
+            <a:tailEnd type="triangle"/>
+          </a:ln>
+        </p:spPr>
+        <p:style>
+          <a:lnRef idx="2">
+            <a:schemeClr val="accent1"/>
+          </a:lnRef>
+          <a:fillRef idx="0">
+            <a:schemeClr val="accent1"/>
+          </a:fillRef>
+          <a:effectRef idx="1">
+            <a:schemeClr val="accent1"/>
+          </a:effectRef>
+          <a:fontRef idx="minor">
+            <a:schemeClr val="tx1"/>
+          </a:fontRef>
+        </p:style>
+      </p:cxnSp>
+      <p:pic>
+        <p:nvPicPr>
+          <p:cNvPr id="23" name="Picture 22" descr="latex-image-1.pdf"/>
+          <p:cNvPicPr>
+            <a:picLocks noChangeAspect="1"/>
+          </p:cNvPicPr>
+          <p:nvPr/>
+        </p:nvPicPr>
+        <p:blipFill>
+          <a:blip r:embed="rId2">
+            <a:extLst>
+              <a:ext uri="{28A0092B-C50C-407E-A947-70E740481C1C}">
+                <a14:useLocalDpi xmlns:a14="http://schemas.microsoft.com/office/drawing/2010/main" val="0"/>
+              </a:ext>
+            </a:extLst>
+          </a:blip>
+          <a:stretch>
+            <a:fillRect/>
+          </a:stretch>
+        </p:blipFill>
+        <p:spPr>
+          <a:xfrm>
+            <a:off x="2404008" y="2761576"/>
+            <a:ext cx="317500" cy="101600"/>
+          </a:xfrm>
+          <a:prstGeom prst="rect">
+            <a:avLst/>
+          </a:prstGeom>
+        </p:spPr>
+      </p:pic>
+      <p:pic>
+        <p:nvPicPr>
+          <p:cNvPr id="24" name="Picture 23" descr="latex-image-1.pdf"/>
+          <p:cNvPicPr>
+            <a:picLocks noChangeAspect="1"/>
+          </p:cNvPicPr>
+          <p:nvPr/>
+        </p:nvPicPr>
+        <p:blipFill>
+          <a:blip r:embed="rId3">
+            <a:extLst>
+              <a:ext uri="{28A0092B-C50C-407E-A947-70E740481C1C}">
+                <a14:useLocalDpi xmlns:a14="http://schemas.microsoft.com/office/drawing/2010/main" val="0"/>
+              </a:ext>
+            </a:extLst>
+          </a:blip>
+          <a:stretch>
+            <a:fillRect/>
+          </a:stretch>
+        </p:blipFill>
+        <p:spPr>
+          <a:xfrm>
+            <a:off x="2340500" y="1967760"/>
+            <a:ext cx="127000" cy="101600"/>
+          </a:xfrm>
+          <a:prstGeom prst="rect">
+            <a:avLst/>
+          </a:prstGeom>
+        </p:spPr>
+      </p:pic>
+      <p:pic>
+        <p:nvPicPr>
+          <p:cNvPr id="25" name="Picture 24" descr="latex-image-1.pdf"/>
+          <p:cNvPicPr>
+            <a:picLocks noChangeAspect="1"/>
+          </p:cNvPicPr>
+          <p:nvPr/>
+        </p:nvPicPr>
+        <p:blipFill>
+          <a:blip r:embed="rId4">
+            <a:extLst>
+              <a:ext uri="{28A0092B-C50C-407E-A947-70E740481C1C}">
+                <a14:useLocalDpi xmlns:a14="http://schemas.microsoft.com/office/drawing/2010/main" val="0"/>
+              </a:ext>
+            </a:extLst>
+          </a:blip>
+          <a:stretch>
+            <a:fillRect/>
+          </a:stretch>
+        </p:blipFill>
+        <p:spPr>
+          <a:xfrm>
+            <a:off x="2363182" y="1457449"/>
+            <a:ext cx="127000" cy="101600"/>
+          </a:xfrm>
+          <a:prstGeom prst="rect">
+            <a:avLst/>
+          </a:prstGeom>
+        </p:spPr>
+      </p:pic>
+      <p:cxnSp>
+        <p:nvCxnSpPr>
+          <p:cNvPr id="27" name="Straight Arrow Connector 26"/>
+          <p:cNvCxnSpPr>
+            <a:stCxn id="5" idx="2"/>
+            <a:endCxn id="43" idx="0"/>
+          </p:cNvCxnSpPr>
+          <p:nvPr/>
+        </p:nvCxnSpPr>
+        <p:spPr>
+          <a:xfrm>
+            <a:off x="2266967" y="1331155"/>
+            <a:ext cx="0" cy="274720"/>
+          </a:xfrm>
+          <a:prstGeom prst="straightConnector1">
+            <a:avLst/>
+          </a:prstGeom>
+          <a:ln>
+            <a:solidFill>
+              <a:schemeClr val="tx1"/>
+            </a:solidFill>
+            <a:headEnd type="none"/>
+            <a:tailEnd type="triangle"/>
+          </a:ln>
+        </p:spPr>
+        <p:style>
+          <a:lnRef idx="2">
+            <a:schemeClr val="accent1"/>
+          </a:lnRef>
+          <a:fillRef idx="0">
+            <a:schemeClr val="accent1"/>
+          </a:fillRef>
+          <a:effectRef idx="1">
+            <a:schemeClr val="accent1"/>
+          </a:effectRef>
+          <a:fontRef idx="minor">
+            <a:schemeClr val="tx1"/>
+          </a:fontRef>
+        </p:style>
+      </p:cxnSp>
+      <p:cxnSp>
+        <p:nvCxnSpPr>
+          <p:cNvPr id="65" name="Straight Arrow Connector 64"/>
+          <p:cNvCxnSpPr>
+            <a:stCxn id="43" idx="2"/>
+          </p:cNvCxnSpPr>
+          <p:nvPr/>
+        </p:nvCxnSpPr>
+        <p:spPr>
+          <a:xfrm>
+            <a:off x="2266967" y="1882874"/>
+            <a:ext cx="0" cy="234369"/>
+          </a:xfrm>
+          <a:prstGeom prst="straightConnector1">
+            <a:avLst/>
+          </a:prstGeom>
+          <a:ln>
+            <a:solidFill>
+              <a:schemeClr val="tx1"/>
+            </a:solidFill>
+            <a:headEnd type="none"/>
+            <a:tailEnd type="triangle"/>
+          </a:ln>
+        </p:spPr>
+        <p:style>
+          <a:lnRef idx="2">
+            <a:schemeClr val="accent1"/>
+          </a:lnRef>
+          <a:fillRef idx="0">
+            <a:schemeClr val="accent1"/>
+          </a:fillRef>
+          <a:effectRef idx="1">
+            <a:schemeClr val="accent1"/>
+          </a:effectRef>
+          <a:fontRef idx="minor">
+            <a:schemeClr val="tx1"/>
+          </a:fontRef>
+        </p:style>
+      </p:cxnSp>
+      <p:pic>
+        <p:nvPicPr>
+          <p:cNvPr id="30" name="Picture 29" descr="latex-image-1.pdf"/>
+          <p:cNvPicPr>
+            <a:picLocks noChangeAspect="1"/>
+          </p:cNvPicPr>
+          <p:nvPr/>
+        </p:nvPicPr>
+        <p:blipFill>
+          <a:blip r:embed="rId5">
+            <a:extLst>
+              <a:ext uri="{28A0092B-C50C-407E-A947-70E740481C1C}">
+                <a14:useLocalDpi xmlns:a14="http://schemas.microsoft.com/office/drawing/2010/main" val="0"/>
+              </a:ext>
+            </a:extLst>
+          </a:blip>
+          <a:stretch>
+            <a:fillRect/>
+          </a:stretch>
+        </p:blipFill>
+        <p:spPr>
+          <a:xfrm>
+            <a:off x="1290906" y="1007471"/>
+            <a:ext cx="139700" cy="139700"/>
+          </a:xfrm>
+          <a:prstGeom prst="rect">
+            <a:avLst/>
+          </a:prstGeom>
+        </p:spPr>
+      </p:pic>
+      <p:cxnSp>
+        <p:nvCxnSpPr>
+          <p:cNvPr id="66" name="Straight Connector 65"/>
+          <p:cNvCxnSpPr/>
+          <p:nvPr/>
+        </p:nvCxnSpPr>
+        <p:spPr>
+          <a:xfrm>
+            <a:off x="1229660" y="1730615"/>
+            <a:ext cx="372288" cy="1"/>
+          </a:xfrm>
+          <a:prstGeom prst="line">
+            <a:avLst/>
+          </a:prstGeom>
+          <a:ln w="19050" cmpd="sng">
+            <a:solidFill>
+              <a:srgbClr val="000000"/>
+            </a:solidFill>
+            <a:headEnd type="none"/>
+            <a:tailEnd type="triangle"/>
+          </a:ln>
+        </p:spPr>
+        <p:style>
+          <a:lnRef idx="2">
+            <a:schemeClr val="accent1"/>
+          </a:lnRef>
+          <a:fillRef idx="0">
+            <a:schemeClr val="accent1"/>
+          </a:fillRef>
+          <a:effectRef idx="1">
+            <a:schemeClr val="accent1"/>
+          </a:effectRef>
+          <a:fontRef idx="minor">
+            <a:schemeClr val="tx1"/>
+          </a:fontRef>
+        </p:style>
+      </p:cxnSp>
+      <p:pic>
+        <p:nvPicPr>
+          <p:cNvPr id="67" name="Picture 66" descr="latex-image-1.pdf"/>
+          <p:cNvPicPr>
+            <a:picLocks noChangeAspect="1"/>
+          </p:cNvPicPr>
+          <p:nvPr/>
+        </p:nvPicPr>
+        <p:blipFill>
+          <a:blip r:embed="rId5">
+            <a:extLst>
+              <a:ext uri="{28A0092B-C50C-407E-A947-70E740481C1C}">
+                <a14:useLocalDpi xmlns:a14="http://schemas.microsoft.com/office/drawing/2010/main" val="0"/>
+              </a:ext>
+            </a:extLst>
+          </a:blip>
+          <a:stretch>
+            <a:fillRect/>
+          </a:stretch>
+        </p:blipFill>
+        <p:spPr>
+          <a:xfrm>
+            <a:off x="1295886" y="1545431"/>
+            <a:ext cx="139700" cy="139700"/>
+          </a:xfrm>
+          <a:prstGeom prst="rect">
+            <a:avLst/>
+          </a:prstGeom>
+        </p:spPr>
+      </p:pic>
+      <p:cxnSp>
+        <p:nvCxnSpPr>
+          <p:cNvPr id="68" name="Straight Connector 67"/>
+          <p:cNvCxnSpPr/>
+          <p:nvPr/>
+        </p:nvCxnSpPr>
+        <p:spPr>
+          <a:xfrm>
+            <a:off x="1234640" y="2223215"/>
+            <a:ext cx="372288" cy="1"/>
+          </a:xfrm>
+          <a:prstGeom prst="line">
+            <a:avLst/>
+          </a:prstGeom>
+          <a:ln w="19050" cmpd="sng">
+            <a:solidFill>
+              <a:srgbClr val="000000"/>
+            </a:solidFill>
+            <a:headEnd type="none"/>
+            <a:tailEnd type="triangle"/>
+          </a:ln>
+        </p:spPr>
+        <p:style>
+          <a:lnRef idx="2">
+            <a:schemeClr val="accent1"/>
+          </a:lnRef>
+          <a:fillRef idx="0">
+            <a:schemeClr val="accent1"/>
+          </a:fillRef>
+          <a:effectRef idx="1">
+            <a:schemeClr val="accent1"/>
+          </a:effectRef>
+          <a:fontRef idx="minor">
+            <a:schemeClr val="tx1"/>
+          </a:fontRef>
+        </p:style>
+      </p:cxnSp>
+      <p:pic>
+        <p:nvPicPr>
+          <p:cNvPr id="69" name="Picture 68" descr="latex-image-1.pdf"/>
+          <p:cNvPicPr>
+            <a:picLocks noChangeAspect="1"/>
+          </p:cNvPicPr>
+          <p:nvPr/>
+        </p:nvPicPr>
+        <p:blipFill>
+          <a:blip r:embed="rId5">
+            <a:extLst>
+              <a:ext uri="{28A0092B-C50C-407E-A947-70E740481C1C}">
+                <a14:useLocalDpi xmlns:a14="http://schemas.microsoft.com/office/drawing/2010/main" val="0"/>
+              </a:ext>
+            </a:extLst>
+          </a:blip>
+          <a:stretch>
+            <a:fillRect/>
+          </a:stretch>
+        </p:blipFill>
+        <p:spPr>
+          <a:xfrm>
+            <a:off x="1300866" y="2038031"/>
+            <a:ext cx="139700" cy="139700"/>
+          </a:xfrm>
+          <a:prstGeom prst="rect">
+            <a:avLst/>
+          </a:prstGeom>
+        </p:spPr>
+      </p:pic>
+      <p:cxnSp>
+        <p:nvCxnSpPr>
+          <p:cNvPr id="70" name="Straight Connector 69"/>
+          <p:cNvCxnSpPr/>
+          <p:nvPr/>
+        </p:nvCxnSpPr>
+        <p:spPr>
+          <a:xfrm>
+            <a:off x="1228280" y="2999315"/>
+            <a:ext cx="372288" cy="1"/>
+          </a:xfrm>
+          <a:prstGeom prst="line">
+            <a:avLst/>
+          </a:prstGeom>
+          <a:ln w="19050" cmpd="sng">
+            <a:solidFill>
+              <a:srgbClr val="000000"/>
+            </a:solidFill>
+            <a:headEnd type="none"/>
+            <a:tailEnd type="triangle"/>
+          </a:ln>
+        </p:spPr>
+        <p:style>
+          <a:lnRef idx="2">
+            <a:schemeClr val="accent1"/>
+          </a:lnRef>
+          <a:fillRef idx="0">
+            <a:schemeClr val="accent1"/>
+          </a:fillRef>
+          <a:effectRef idx="1">
+            <a:schemeClr val="accent1"/>
+          </a:effectRef>
+          <a:fontRef idx="minor">
+            <a:schemeClr val="tx1"/>
+          </a:fontRef>
+        </p:style>
+      </p:cxnSp>
+      <p:pic>
+        <p:nvPicPr>
+          <p:cNvPr id="71" name="Picture 70" descr="latex-image-1.pdf"/>
+          <p:cNvPicPr>
+            <a:picLocks noChangeAspect="1"/>
+          </p:cNvPicPr>
+          <p:nvPr/>
+        </p:nvPicPr>
+        <p:blipFill>
+          <a:blip r:embed="rId5">
+            <a:extLst>
+              <a:ext uri="{28A0092B-C50C-407E-A947-70E740481C1C}">
+                <a14:useLocalDpi xmlns:a14="http://schemas.microsoft.com/office/drawing/2010/main" val="0"/>
+              </a:ext>
+            </a:extLst>
+          </a:blip>
+          <a:stretch>
+            <a:fillRect/>
+          </a:stretch>
+        </p:blipFill>
+        <p:spPr>
+          <a:xfrm>
+            <a:off x="1294506" y="2814131"/>
+            <a:ext cx="139700" cy="139700"/>
+          </a:xfrm>
+          <a:prstGeom prst="rect">
+            <a:avLst/>
+          </a:prstGeom>
+        </p:spPr>
+      </p:pic>
+      <p:pic>
+        <p:nvPicPr>
+          <p:cNvPr id="31" name="Picture 30" descr="latex-image-1.pdf"/>
+          <p:cNvPicPr>
+            <a:picLocks noChangeAspect="1"/>
+          </p:cNvPicPr>
+          <p:nvPr/>
+        </p:nvPicPr>
+        <p:blipFill>
+          <a:blip r:embed="rId6">
+            <a:extLst>
+              <a:ext uri="{28A0092B-C50C-407E-A947-70E740481C1C}">
+                <a14:useLocalDpi xmlns:a14="http://schemas.microsoft.com/office/drawing/2010/main" val="0"/>
+              </a:ext>
+            </a:extLst>
+          </a:blip>
+          <a:stretch>
+            <a:fillRect/>
+          </a:stretch>
+        </p:blipFill>
+        <p:spPr>
+          <a:xfrm>
+            <a:off x="3246314" y="1084133"/>
+            <a:ext cx="152400" cy="190500"/>
+          </a:xfrm>
+          <a:prstGeom prst="rect">
+            <a:avLst/>
+          </a:prstGeom>
+        </p:spPr>
+      </p:pic>
+      <p:pic>
+        <p:nvPicPr>
+          <p:cNvPr id="33" name="Picture 32" descr="latex-image-1.pdf"/>
+          <p:cNvPicPr>
+            <a:picLocks noChangeAspect="1"/>
+          </p:cNvPicPr>
+          <p:nvPr/>
+        </p:nvPicPr>
+        <p:blipFill>
+          <a:blip r:embed="rId7">
+            <a:extLst>
+              <a:ext uri="{28A0092B-C50C-407E-A947-70E740481C1C}">
+                <a14:useLocalDpi xmlns:a14="http://schemas.microsoft.com/office/drawing/2010/main" val="0"/>
+              </a:ext>
+            </a:extLst>
+          </a:blip>
+          <a:stretch>
+            <a:fillRect/>
+          </a:stretch>
+        </p:blipFill>
+        <p:spPr>
+          <a:xfrm>
+            <a:off x="3249943" y="1639804"/>
+            <a:ext cx="190500" cy="190500"/>
+          </a:xfrm>
+          <a:prstGeom prst="rect">
+            <a:avLst/>
+          </a:prstGeom>
+        </p:spPr>
+      </p:pic>
+      <p:pic>
+        <p:nvPicPr>
+          <p:cNvPr id="34" name="Picture 33" descr="latex-image-1.pdf"/>
+          <p:cNvPicPr>
+            <a:picLocks noChangeAspect="1"/>
+          </p:cNvPicPr>
+          <p:nvPr/>
+        </p:nvPicPr>
+        <p:blipFill>
+          <a:blip r:embed="rId8">
+            <a:extLst>
+              <a:ext uri="{28A0092B-C50C-407E-A947-70E740481C1C}">
+                <a14:useLocalDpi xmlns:a14="http://schemas.microsoft.com/office/drawing/2010/main" val="0"/>
+              </a:ext>
+            </a:extLst>
+          </a:blip>
+          <a:stretch>
+            <a:fillRect/>
+          </a:stretch>
+        </p:blipFill>
+        <p:spPr>
+          <a:xfrm>
+            <a:off x="3238603" y="2127434"/>
+            <a:ext cx="190500" cy="190500"/>
+          </a:xfrm>
+          <a:prstGeom prst="rect">
+            <a:avLst/>
+          </a:prstGeom>
+        </p:spPr>
+      </p:pic>
+      <p:pic>
+        <p:nvPicPr>
+          <p:cNvPr id="35" name="Picture 34" descr="latex-image-1.pdf"/>
+          <p:cNvPicPr>
+            <a:picLocks noChangeAspect="1"/>
+          </p:cNvPicPr>
+          <p:nvPr/>
+        </p:nvPicPr>
+        <p:blipFill>
+          <a:blip r:embed="rId9">
+            <a:extLst>
+              <a:ext uri="{28A0092B-C50C-407E-A947-70E740481C1C}">
+                <a14:useLocalDpi xmlns:a14="http://schemas.microsoft.com/office/drawing/2010/main" val="0"/>
+              </a:ext>
+            </a:extLst>
+          </a:blip>
+          <a:stretch>
+            <a:fillRect/>
+          </a:stretch>
+        </p:blipFill>
+        <p:spPr>
+          <a:xfrm>
+            <a:off x="3224543" y="2943930"/>
+            <a:ext cx="241300" cy="190500"/>
+          </a:xfrm>
+          <a:prstGeom prst="rect">
+            <a:avLst/>
+          </a:prstGeom>
+        </p:spPr>
+      </p:pic>
     </p:spTree>
     <p:extLst>
       <p:ext uri="{BB962C8B-B14F-4D97-AF65-F5344CB8AC3E}">
         <p14:creationId xmlns:p14="http://schemas.microsoft.com/office/powerpoint/2010/main" val="3134287455"/>
-      </p:ext>
-    </p:extLst>
-  </p:cSld>
-  <p:clrMapOvr>
-    <a:masterClrMapping/>
-  </p:clrMapOvr>
-</p:sld>
-</file>
-
-<file path=ppt/slides/slide2.xml><?xml version="1.0" encoding="utf-8"?>
-<p:sld xmlns:a="http://schemas.openxmlformats.org/drawingml/2006/main" xmlns:r="http://schemas.openxmlformats.org/officeDocument/2006/relationships" xmlns:p="http://schemas.openxmlformats.org/presentationml/2006/main">
-  <p:cSld>
-    <p:spTree>
-      <p:nvGrpSpPr>
-        <p:cNvPr id="1" name=""/>
-        <p:cNvGrpSpPr/>
-        <p:nvPr/>
-      </p:nvGrpSpPr>
-      <p:grpSpPr>
-        <a:xfrm>
-          <a:off x="0" y="0"/>
-          <a:ext cx="0" cy="0"/>
-          <a:chOff x="0" y="0"/>
-          <a:chExt cx="0" cy="0"/>
-        </a:xfrm>
-      </p:grpSpPr>
-    </p:spTree>
-    <p:extLst>
-      <p:ext uri="{BB962C8B-B14F-4D97-AF65-F5344CB8AC3E}">
-        <p14:creationId xmlns:p14="http://schemas.microsoft.com/office/powerpoint/2010/main" val="3875799346"/>
       </p:ext>
     </p:extLst>
   </p:cSld>
